--- a/doc/TWLKR Dispatch Dashboard Project - 복사본.pptx
+++ b/doc/TWLKR Dispatch Dashboard Project - 복사본.pptx
@@ -216,7 +216,7 @@
           <a:p>
             <a:fld id="{0F0BC9CE-E396-7D47-8BEB-ABE07771CFD4}" type="datetimeFigureOut">
               <a:rPr lang="en-US" smtClean="0"/>
-              <a:t>2/26/2025</a:t>
+              <a:t>2/27/2025</a:t>
             </a:fld>
             <a:endParaRPr lang="en-US"/>
           </a:p>
@@ -5982,14 +5982,28 @@
                 <a:latin typeface="+mn-ea"/>
                 <a:ea typeface="+mj-ea"/>
               </a:rPr>
-              <a:t>월 약 </a:t>
+              <a:t>월 </a:t>
             </a:r>
             <a:r>
               <a:rPr lang="en-US" altLang="ko-KR" sz="1000" dirty="0">
                 <a:latin typeface="+mn-ea"/>
                 <a:ea typeface="+mj-ea"/>
               </a:rPr>
-              <a:t>\100,000 </a:t>
+              <a:t>$180  → </a:t>
+            </a:r>
+            <a:r>
+              <a:rPr lang="ko-KR" altLang="en-US" sz="1000" dirty="0">
+                <a:latin typeface="+mn-ea"/>
+                <a:ea typeface="+mj-ea"/>
+              </a:rPr>
+              <a:t>약 </a:t>
+            </a:r>
+            <a:r>
+              <a:rPr lang="en-US" altLang="ko-KR" sz="1000" dirty="0">
+                <a:latin typeface="+mn-ea"/>
+                <a:ea typeface="+mj-ea"/>
+              </a:rPr>
+              <a:t>\250,000 </a:t>
             </a:r>
             <a:r>
               <a:rPr lang="ko-KR" altLang="en-US" sz="1000" dirty="0">
@@ -6035,21 +6049,21 @@
                 <a:latin typeface="+mn-ea"/>
                 <a:ea typeface="+mj-ea"/>
               </a:rPr>
-              <a:t>월 </a:t>
+              <a:t>무료 </a:t>
             </a:r>
             <a:r>
               <a:rPr lang="en-US" altLang="ko-KR" sz="1000" dirty="0">
                 <a:latin typeface="+mn-ea"/>
                 <a:ea typeface="+mj-ea"/>
               </a:rPr>
-              <a:t>\50,000 </a:t>
+              <a:t>/ </a:t>
             </a:r>
             <a:r>
               <a:rPr lang="ko-KR" altLang="en-US" sz="1000" dirty="0">
                 <a:latin typeface="+mn-ea"/>
                 <a:ea typeface="+mj-ea"/>
               </a:rPr>
-              <a:t>이하</a:t>
+              <a:t>유료 선택 필요</a:t>
             </a:r>
             <a:endParaRPr lang="en-US" altLang="ko-KR" sz="1000" dirty="0">
               <a:latin typeface="+mn-ea"/>
@@ -6344,7 +6358,7 @@
                 <a:latin typeface="+mn-ea"/>
                 <a:ea typeface="+mj-ea"/>
               </a:rPr>
-              <a:t>\150,000 </a:t>
+              <a:t>\100,000 </a:t>
             </a:r>
             <a:r>
               <a:rPr lang="ko-KR" altLang="en-US" sz="1000" dirty="0">
@@ -7001,6 +7015,34 @@
 </file>
 
 <file path=customXml/item1.xml><?xml version="1.0" encoding="utf-8"?>
+<p:properties xmlns:p="http://schemas.microsoft.com/office/2006/metadata/properties" xmlns:xsi="http://www.w3.org/2001/XMLSchema-instance" xmlns:pc="http://schemas.microsoft.com/office/infopath/2007/PartnerControls">
+  <documentManagement>
+    <Person_x0028_s_x0029__x0020_Responsible_x0020_for_x0020_Policy xmlns="2da9f8d1-1481-480d-b29c-d5b1cf054a28" xsi:nil="true"/>
+    <Policy_x0020_Type xmlns="2da9f8d1-1481-480d-b29c-d5b1cf054a28">Policy</Policy_x0020_Type>
+    <Policy_x0020_Enforcement_x0020_Date xmlns="2da9f8d1-1481-480d-b29c-d5b1cf054a28" xsi:nil="true"/>
+    <Policy_x0020_Status xmlns="2da9f8d1-1481-480d-b29c-d5b1cf054a28">Enforced</Policy_x0020_Status>
+    <Policy_x0020_Ref xmlns="2da9f8d1-1481-480d-b29c-d5b1cf054a28" xsi:nil="true"/>
+    <Policy_x0020_Approved_x0020_By xmlns="2da9f8d1-1481-480d-b29c-d5b1cf054a28" xsi:nil="true"/>
+    <Policy_x0020_Version xmlns="2da9f8d1-1481-480d-b29c-d5b1cf054a28" xsi:nil="true"/>
+    <Policy_x0020_Drafted_x0020_By xmlns="2da9f8d1-1481-480d-b29c-d5b1cf054a28" xsi:nil="true"/>
+    <lcf76f155ced4ddcb4097134ff3c332f xmlns="89bae1a4-8361-4828-90ec-a3360a876cdf">
+      <Terms xmlns="http://schemas.microsoft.com/office/infopath/2007/PartnerControls"/>
+    </lcf76f155ced4ddcb4097134ff3c332f>
+    <TaxCatchAll xmlns="2da9f8d1-1481-480d-b29c-d5b1cf054a28" xsi:nil="true"/>
+  </documentManagement>
+</p:properties>
+</file>
+
+<file path=customXml/item2.xml><?xml version="1.0" encoding="utf-8"?>
+<?mso-contentType ?>
+<FormTemplates xmlns="http://schemas.microsoft.com/sharepoint/v3/contenttype/forms">
+  <Display>DocumentLibraryForm</Display>
+  <Edit>DocumentLibraryForm</Edit>
+  <New>DocumentLibraryForm</New>
+</FormTemplates>
+</file>
+
+<file path=customXml/item3.xml><?xml version="1.0" encoding="utf-8"?>
 <ct:contentTypeSchema xmlns:ct="http://schemas.microsoft.com/office/2006/metadata/contentType" xmlns:ma="http://schemas.microsoft.com/office/2006/metadata/properties/metaAttributes" ct:_="" ma:_="" ma:contentTypeName="Document" ma:contentTypeID="0x010100822459439BA4514C84702488D0E006BA" ma:contentTypeVersion="26" ma:contentTypeDescription="Create a new document." ma:contentTypeScope="" ma:versionID="1adb099fd56db279984540ccda29e0d1">
   <xsd:schema xmlns:xsd="http://www.w3.org/2001/XMLSchema" xmlns:xs="http://www.w3.org/2001/XMLSchema" xmlns:p="http://schemas.microsoft.com/office/2006/metadata/properties" xmlns:ns2="89bae1a4-8361-4828-90ec-a3360a876cdf" xmlns:ns3="2da9f8d1-1481-480d-b29c-d5b1cf054a28" targetNamespace="http://schemas.microsoft.com/office/2006/metadata/properties" ma:root="true" ma:fieldsID="d64d8535f64baee22c4ab121384eb1bc" ns2:_="" ns3:_="">
     <xsd:import namespace="89bae1a4-8361-4828-90ec-a3360a876cdf"/>
@@ -7300,35 +7342,26 @@
 </ct:contentTypeSchema>
 </file>
 
-<file path=customXml/item2.xml><?xml version="1.0" encoding="utf-8"?>
-<?mso-contentType ?>
-<FormTemplates xmlns="http://schemas.microsoft.com/sharepoint/v3/contenttype/forms">
-  <Display>DocumentLibraryForm</Display>
-  <Edit>DocumentLibraryForm</Edit>
-  <New>DocumentLibraryForm</New>
-</FormTemplates>
+<file path=customXml/itemProps1.xml><?xml version="1.0" encoding="utf-8"?>
+<ds:datastoreItem xmlns:ds="http://schemas.openxmlformats.org/officeDocument/2006/customXml" ds:itemID="{6D3890D1-0804-4983-A8E2-EED5DCFD2DB2}">
+  <ds:schemaRefs>
+    <ds:schemaRef ds:uri="http://schemas.microsoft.com/office/2006/metadata/properties"/>
+    <ds:schemaRef ds:uri="http://schemas.microsoft.com/office/infopath/2007/PartnerControls"/>
+    <ds:schemaRef ds:uri="2da9f8d1-1481-480d-b29c-d5b1cf054a28"/>
+    <ds:schemaRef ds:uri="89bae1a4-8361-4828-90ec-a3360a876cdf"/>
+  </ds:schemaRefs>
+</ds:datastoreItem>
 </file>
 
-<file path=customXml/item3.xml><?xml version="1.0" encoding="utf-8"?>
-<p:properties xmlns:p="http://schemas.microsoft.com/office/2006/metadata/properties" xmlns:xsi="http://www.w3.org/2001/XMLSchema-instance" xmlns:pc="http://schemas.microsoft.com/office/infopath/2007/PartnerControls">
-  <documentManagement>
-    <Person_x0028_s_x0029__x0020_Responsible_x0020_for_x0020_Policy xmlns="2da9f8d1-1481-480d-b29c-d5b1cf054a28" xsi:nil="true"/>
-    <Policy_x0020_Type xmlns="2da9f8d1-1481-480d-b29c-d5b1cf054a28">Policy</Policy_x0020_Type>
-    <Policy_x0020_Enforcement_x0020_Date xmlns="2da9f8d1-1481-480d-b29c-d5b1cf054a28" xsi:nil="true"/>
-    <Policy_x0020_Status xmlns="2da9f8d1-1481-480d-b29c-d5b1cf054a28">Enforced</Policy_x0020_Status>
-    <Policy_x0020_Ref xmlns="2da9f8d1-1481-480d-b29c-d5b1cf054a28" xsi:nil="true"/>
-    <Policy_x0020_Approved_x0020_By xmlns="2da9f8d1-1481-480d-b29c-d5b1cf054a28" xsi:nil="true"/>
-    <Policy_x0020_Version xmlns="2da9f8d1-1481-480d-b29c-d5b1cf054a28" xsi:nil="true"/>
-    <Policy_x0020_Drafted_x0020_By xmlns="2da9f8d1-1481-480d-b29c-d5b1cf054a28" xsi:nil="true"/>
-    <lcf76f155ced4ddcb4097134ff3c332f xmlns="89bae1a4-8361-4828-90ec-a3360a876cdf">
-      <Terms xmlns="http://schemas.microsoft.com/office/infopath/2007/PartnerControls"/>
-    </lcf76f155ced4ddcb4097134ff3c332f>
-    <TaxCatchAll xmlns="2da9f8d1-1481-480d-b29c-d5b1cf054a28" xsi:nil="true"/>
-  </documentManagement>
-</p:properties>
+<file path=customXml/itemProps2.xml><?xml version="1.0" encoding="utf-8"?>
+<ds:datastoreItem xmlns:ds="http://schemas.openxmlformats.org/officeDocument/2006/customXml" ds:itemID="{8A6625D8-3E01-4B34-86DB-ED400E79EF4F}">
+  <ds:schemaRefs>
+    <ds:schemaRef ds:uri="http://schemas.microsoft.com/sharepoint/v3/contenttype/forms"/>
+  </ds:schemaRefs>
+</ds:datastoreItem>
 </file>
 
-<file path=customXml/itemProps1.xml><?xml version="1.0" encoding="utf-8"?>
+<file path=customXml/itemProps3.xml><?xml version="1.0" encoding="utf-8"?>
 <ds:datastoreItem xmlns:ds="http://schemas.openxmlformats.org/officeDocument/2006/customXml" ds:itemID="{0B2FBBFA-7C2A-452B-AD67-D78617A449D5}">
   <ds:schemaRefs>
     <ds:schemaRef ds:uri="http://schemas.microsoft.com/office/2006/metadata/contentType"/>
@@ -7345,23 +7378,4 @@
     <ds:schemaRef ds:uri="http://schemas.microsoft.com/internal/obd"/>
   </ds:schemaRefs>
 </ds:datastoreItem>
-</file>
-
-<file path=customXml/itemProps2.xml><?xml version="1.0" encoding="utf-8"?>
-<ds:datastoreItem xmlns:ds="http://schemas.openxmlformats.org/officeDocument/2006/customXml" ds:itemID="{8A6625D8-3E01-4B34-86DB-ED400E79EF4F}">
-  <ds:schemaRefs>
-    <ds:schemaRef ds:uri="http://schemas.microsoft.com/sharepoint/v3/contenttype/forms"/>
-  </ds:schemaRefs>
-</ds:datastoreItem>
-</file>
-
-<file path=customXml/itemProps3.xml><?xml version="1.0" encoding="utf-8"?>
-<ds:datastoreItem xmlns:ds="http://schemas.openxmlformats.org/officeDocument/2006/customXml" ds:itemID="{6D3890D1-0804-4983-A8E2-EED5DCFD2DB2}">
-  <ds:schemaRefs>
-    <ds:schemaRef ds:uri="http://schemas.microsoft.com/office/2006/metadata/properties"/>
-    <ds:schemaRef ds:uri="http://schemas.microsoft.com/office/infopath/2007/PartnerControls"/>
-    <ds:schemaRef ds:uri="2da9f8d1-1481-480d-b29c-d5b1cf054a28"/>
-    <ds:schemaRef ds:uri="89bae1a4-8361-4828-90ec-a3360a876cdf"/>
-  </ds:schemaRefs>
-</ds:datastoreItem>
 </file>